--- a/1. Core Java/Day 2/Slides/5. Using Static Fields & Methods/using-static-fields-and-methods-slides.pptx
+++ b/1. Core Java/Day 2/Slides/5. Using Static Fields & Methods/using-static-fields-and-methods-slides.pptx
@@ -31815,6 +31815,10 @@
           </p:nvPr>
         </p:nvSpPr>
         <p:spPr>
+          <a:xfrm>
+            <a:off x="992504" y="2415540"/>
+            <a:ext cx="16302990" cy="6801485"/>
+          </a:xfrm>
           <a:prstGeom prst="rect">
             <a:avLst/>
           </a:prstGeom>
@@ -32415,9 +32419,13 @@
             </a:r>
             <a:r>
               <a:rPr spc="20" dirty="0"/>
-              <a:t>patters</a:t>
-            </a:r>
-            <a:endParaRPr spc="20" dirty="0"/>
+              <a:t>patter</a:t>
+            </a:r>
+            <a:r>
+              <a:rPr lang="en-US" spc="20" dirty="0"/>
+              <a:t>n</a:t>
+            </a:r>
+            <a:endParaRPr lang="en-US" spc="20" dirty="0"/>
           </a:p>
         </p:txBody>
       </p:sp>
